--- a/doc/PowerPoints/Sprint 3 Term 2/Winter 2015 S3 Presentation.pptx
+++ b/doc/PowerPoints/Sprint 3 Term 2/Winter 2015 S3 Presentation.pptx
@@ -120,7 +120,7 @@
   </p:defaultTextStyle>
   <p:extLst>
     <p:ext uri="{EFAFB233-063F-42B5-8137-9DF3F51BA10A}">
-      <p15:sldGuideLst xmlns:p15="http://schemas.microsoft.com/office/powerpoint/2012/main" xmlns="">
+      <p15:sldGuideLst xmlns="" xmlns:p15="http://schemas.microsoft.com/office/powerpoint/2012/main">
         <p15:guide id="1" orient="horz" pos="2160">
           <p15:clr>
             <a:srgbClr val="A4A3A4"/>
@@ -3694,46 +3694,78 @@
             <p:ph type="title"/>
           </p:nvPr>
         </p:nvSpPr>
-        <p:spPr/>
-        <p:txBody>
-          <a:bodyPr/>
-          <a:lstStyle/>
-          <a:p>
-            <a:r>
-              <a:rPr lang="en-US" dirty="0" smtClean="0"/>
-              <a:t>Code</a:t>
+        <p:spPr>
+          <a:xfrm>
+            <a:off x="448965" y="527605"/>
+            <a:ext cx="8229600" cy="1143000"/>
+          </a:xfrm>
+        </p:spPr>
+        <p:txBody>
+          <a:bodyPr/>
+          <a:lstStyle/>
+          <a:p>
+            <a:r>
+              <a:rPr lang="en-US" dirty="0" smtClean="0"/>
+              <a:t>Code – Settings page combo box</a:t>
             </a:r>
             <a:endParaRPr lang="en-US" dirty="0"/>
           </a:p>
         </p:txBody>
       </p:sp>
-      <p:sp>
-        <p:nvSpPr>
-          <p:cNvPr id="3" name="Content Placeholder 2"/>
-          <p:cNvSpPr>
-            <a:spLocks noGrp="1"/>
-          </p:cNvSpPr>
-          <p:nvPr>
-            <p:ph idx="1"/>
-          </p:nvPr>
-        </p:nvSpPr>
-        <p:spPr/>
-        <p:txBody>
-          <a:bodyPr/>
-          <a:lstStyle/>
-          <a:p>
-            <a:r>
-              <a:rPr lang="en-US" dirty="0"/>
-              <a:t>Created settings </a:t>
-            </a:r>
-            <a:r>
-              <a:rPr lang="en-US" dirty="0" smtClean="0"/>
-              <a:t>page</a:t>
-            </a:r>
-            <a:endParaRPr lang="en-US" dirty="0"/>
-          </a:p>
-        </p:txBody>
-      </p:sp>
+      <p:pic>
+        <p:nvPicPr>
+          <p:cNvPr id="1027" name="Picture 3"/>
+          <p:cNvPicPr>
+            <a:picLocks noChangeAspect="1" noChangeArrowheads="1"/>
+          </p:cNvPicPr>
+          <p:nvPr/>
+        </p:nvPicPr>
+        <p:blipFill>
+          <a:blip r:embed="rId2">
+            <a:extLst>
+              <a:ext uri="{28A0092B-C50C-407E-A947-70E740481C1C}">
+                <a14:useLocalDpi xmlns:a14="http://schemas.microsoft.com/office/drawing/2010/main" val="0"/>
+              </a:ext>
+            </a:extLst>
+          </a:blip>
+          <a:srcRect/>
+          <a:stretch>
+            <a:fillRect/>
+          </a:stretch>
+        </p:blipFill>
+        <p:spPr bwMode="auto">
+          <a:xfrm>
+            <a:off x="1212490" y="1326071"/>
+            <a:ext cx="6260905" cy="5039266"/>
+          </a:xfrm>
+          <a:prstGeom prst="rect">
+            <a:avLst/>
+          </a:prstGeom>
+          <a:noFill/>
+          <a:ln>
+            <a:noFill/>
+          </a:ln>
+          <a:extLst>
+            <a:ext uri="{909E8E84-426E-40DD-AFC4-6F175D3DCCD1}">
+              <a14:hiddenFill xmlns:a14="http://schemas.microsoft.com/office/drawing/2010/main">
+                <a:solidFill>
+                  <a:schemeClr val="accent1"/>
+                </a:solidFill>
+              </a14:hiddenFill>
+            </a:ext>
+            <a:ext uri="{91240B29-F687-4F45-9708-019B960494DF}">
+              <a14:hiddenLine xmlns:a14="http://schemas.microsoft.com/office/drawing/2010/main" w="9525">
+                <a:solidFill>
+                  <a:schemeClr val="tx1"/>
+                </a:solidFill>
+                <a:miter lim="800000"/>
+                <a:headEnd/>
+                <a:tailEnd/>
+              </a14:hiddenLine>
+            </a:ext>
+          </a:extLst>
+        </p:spPr>
+      </p:pic>
     </p:spTree>
     <p:extLst>
       <p:ext uri="{BB962C8B-B14F-4D97-AF65-F5344CB8AC3E}">
@@ -3744,6 +3776,13 @@
   <p:clrMapOvr>
     <a:masterClrMapping/>
   </p:clrMapOvr>
+  <p:timing>
+    <p:tnLst>
+      <p:par>
+        <p:cTn id="1" dur="indefinite" restart="never" nodeType="tmRoot"/>
+      </p:par>
+    </p:tnLst>
+  </p:timing>
 </p:sld>
 </file>
 
@@ -3824,6 +3863,13 @@
   <p:clrMapOvr>
     <a:masterClrMapping/>
   </p:clrMapOvr>
+  <p:timing>
+    <p:tnLst>
+      <p:par>
+        <p:cTn id="1" dur="indefinite" restart="never" nodeType="tmRoot"/>
+      </p:par>
+    </p:tnLst>
+  </p:timing>
 </p:sld>
 </file>
 
@@ -3947,19 +3993,14 @@
           <a:p>
             <a:r>
               <a:rPr lang="en-US" dirty="0" smtClean="0"/>
-              <a:t>Move Validation</a:t>
-            </a:r>
-          </a:p>
-          <a:p>
-            <a:r>
-              <a:rPr lang="en-US" dirty="0" smtClean="0"/>
-              <a:t>Chess Clocks</a:t>
-            </a:r>
-          </a:p>
-          <a:p>
-            <a:r>
-              <a:rPr lang="en-US" dirty="0" smtClean="0"/>
-              <a:t>Algebraic Notation Display</a:t>
+              <a:t>Client to interface with our server (players can play against each other)</a:t>
+            </a:r>
+            <a:endParaRPr lang="en-US" dirty="0" smtClean="0"/>
+          </a:p>
+          <a:p>
+            <a:r>
+              <a:rPr lang="en-US" dirty="0" smtClean="0"/>
+              <a:t>Customized piece sets</a:t>
             </a:r>
           </a:p>
         </p:txBody>
@@ -4216,13 +4257,8 @@
           <a:p>
             <a:r>
               <a:rPr lang="en-US" dirty="0" smtClean="0"/>
-              <a:t>What we </a:t>
-            </a:r>
-            <a:r>
-              <a:rPr lang="en-US" dirty="0" smtClean="0"/>
-              <a:t>accomplished</a:t>
-            </a:r>
-            <a:endParaRPr lang="en-US" dirty="0" smtClean="0"/>
+              <a:t>What we accomplished</a:t>
+            </a:r>
           </a:p>
           <a:p>
             <a:r>
@@ -4233,13 +4269,8 @@
           <a:p>
             <a:r>
               <a:rPr lang="en-US" dirty="0" smtClean="0"/>
-              <a:t>Next sprint’s </a:t>
-            </a:r>
-            <a:r>
-              <a:rPr lang="en-US" dirty="0" smtClean="0"/>
-              <a:t>plans</a:t>
-            </a:r>
-            <a:endParaRPr lang="en-US" dirty="0" smtClean="0"/>
+              <a:t>Next sprint’s plans</a:t>
+            </a:r>
           </a:p>
           <a:p>
             <a:r>
@@ -4374,7 +4405,6 @@
               <a:rPr lang="en-US" dirty="0" smtClean="0"/>
               <a:t>ove history</a:t>
             </a:r>
-            <a:endParaRPr lang="en-US" dirty="0" smtClean="0"/>
           </a:p>
           <a:p>
             <a:r>
@@ -4387,7 +4417,6 @@
               <a:rPr lang="en-US" dirty="0" smtClean="0"/>
               <a:t>Updated presentation layer layout</a:t>
             </a:r>
-            <a:endParaRPr lang="en-US" dirty="0" smtClean="0"/>
           </a:p>
           <a:p>
             <a:r>
@@ -4746,6 +4775,13 @@
   <p:clrMapOvr>
     <a:masterClrMapping/>
   </p:clrMapOvr>
+  <p:timing>
+    <p:tnLst>
+      <p:par>
+        <p:cTn id="1" dur="indefinite" restart="never" nodeType="tmRoot"/>
+      </p:par>
+    </p:tnLst>
+  </p:timing>
 </p:sld>
 </file>
 
@@ -4893,6 +4929,13 @@
   <p:clrMapOvr>
     <a:masterClrMapping/>
   </p:clrMapOvr>
+  <p:timing>
+    <p:tnLst>
+      <p:par>
+        <p:cTn id="1" dur="indefinite" restart="never" nodeType="tmRoot"/>
+      </p:par>
+    </p:tnLst>
+  </p:timing>
 </p:sld>
 </file>
 
@@ -4973,6 +5016,13 @@
   <p:clrMapOvr>
     <a:masterClrMapping/>
   </p:clrMapOvr>
+  <p:timing>
+    <p:tnLst>
+      <p:par>
+        <p:cTn id="1" dur="indefinite" restart="never" nodeType="tmRoot"/>
+      </p:par>
+    </p:tnLst>
+  </p:timing>
 </p:sld>
 </file>
 

--- a/doc/PowerPoints/Sprint 3 Term 2/Winter 2015 S3 Presentation.pptx
+++ b/doc/PowerPoints/Sprint 3 Term 2/Winter 2015 S3 Presentation.pptx
@@ -8,15 +8,15 @@
     <p:sldId id="256" r:id="rId2"/>
     <p:sldId id="257" r:id="rId3"/>
     <p:sldId id="259" r:id="rId4"/>
-    <p:sldId id="270" r:id="rId5"/>
-    <p:sldId id="258" r:id="rId6"/>
-    <p:sldId id="264" r:id="rId7"/>
-    <p:sldId id="265" r:id="rId8"/>
-    <p:sldId id="266" r:id="rId9"/>
-    <p:sldId id="267" r:id="rId10"/>
-    <p:sldId id="268" r:id="rId11"/>
-    <p:sldId id="269" r:id="rId12"/>
-    <p:sldId id="263" r:id="rId13"/>
+    <p:sldId id="258" r:id="rId5"/>
+    <p:sldId id="264" r:id="rId6"/>
+    <p:sldId id="265" r:id="rId7"/>
+    <p:sldId id="266" r:id="rId8"/>
+    <p:sldId id="267" r:id="rId9"/>
+    <p:sldId id="268" r:id="rId10"/>
+    <p:sldId id="269" r:id="rId11"/>
+    <p:sldId id="263" r:id="rId12"/>
+    <p:sldId id="270" r:id="rId13"/>
     <p:sldId id="260" r:id="rId14"/>
     <p:sldId id="261" r:id="rId15"/>
     <p:sldId id="262" r:id="rId16"/>
@@ -120,7 +120,7 @@
   </p:defaultTextStyle>
   <p:extLst>
     <p:ext uri="{EFAFB233-063F-42B5-8137-9DF3F51BA10A}">
-      <p15:sldGuideLst xmlns="" xmlns:p15="http://schemas.microsoft.com/office/powerpoint/2012/main">
+      <p15:sldGuideLst xmlns:p15="http://schemas.microsoft.com/office/powerpoint/2012/main" xmlns="">
         <p15:guide id="1" orient="horz" pos="2160">
           <p15:clr>
             <a:srgbClr val="A4A3A4"/>
@@ -3694,82 +3694,50 @@
             <p:ph type="title"/>
           </p:nvPr>
         </p:nvSpPr>
-        <p:spPr>
-          <a:xfrm>
-            <a:off x="448965" y="527605"/>
-            <a:ext cx="8229600" cy="1143000"/>
-          </a:xfrm>
-        </p:spPr>
-        <p:txBody>
-          <a:bodyPr/>
-          <a:lstStyle/>
-          <a:p>
-            <a:r>
-              <a:rPr lang="en-US" dirty="0" smtClean="0"/>
-              <a:t>Code – Settings page combo box</a:t>
+        <p:spPr/>
+        <p:txBody>
+          <a:bodyPr/>
+          <a:lstStyle/>
+          <a:p>
+            <a:r>
+              <a:rPr lang="en-US" dirty="0" smtClean="0"/>
+              <a:t>Code</a:t>
             </a:r>
             <a:endParaRPr lang="en-US" dirty="0"/>
           </a:p>
         </p:txBody>
       </p:sp>
-      <p:pic>
-        <p:nvPicPr>
-          <p:cNvPr id="1027" name="Picture 3"/>
-          <p:cNvPicPr>
-            <a:picLocks noChangeAspect="1" noChangeArrowheads="1"/>
-          </p:cNvPicPr>
-          <p:nvPr/>
-        </p:nvPicPr>
-        <p:blipFill>
-          <a:blip r:embed="rId2">
-            <a:extLst>
-              <a:ext uri="{28A0092B-C50C-407E-A947-70E740481C1C}">
-                <a14:useLocalDpi xmlns:a14="http://schemas.microsoft.com/office/drawing/2010/main" val="0"/>
-              </a:ext>
-            </a:extLst>
-          </a:blip>
-          <a:srcRect/>
-          <a:stretch>
-            <a:fillRect/>
-          </a:stretch>
-        </p:blipFill>
-        <p:spPr bwMode="auto">
-          <a:xfrm>
-            <a:off x="1212490" y="1326071"/>
-            <a:ext cx="6260905" cy="5039266"/>
-          </a:xfrm>
-          <a:prstGeom prst="rect">
-            <a:avLst/>
-          </a:prstGeom>
-          <a:noFill/>
-          <a:ln>
-            <a:noFill/>
-          </a:ln>
-          <a:extLst>
-            <a:ext uri="{909E8E84-426E-40DD-AFC4-6F175D3DCCD1}">
-              <a14:hiddenFill xmlns:a14="http://schemas.microsoft.com/office/drawing/2010/main">
-                <a:solidFill>
-                  <a:schemeClr val="accent1"/>
-                </a:solidFill>
-              </a14:hiddenFill>
-            </a:ext>
-            <a:ext uri="{91240B29-F687-4F45-9708-019B960494DF}">
-              <a14:hiddenLine xmlns:a14="http://schemas.microsoft.com/office/drawing/2010/main" w="9525">
-                <a:solidFill>
-                  <a:schemeClr val="tx1"/>
-                </a:solidFill>
-                <a:miter lim="800000"/>
-                <a:headEnd/>
-                <a:tailEnd/>
-              </a14:hiddenLine>
-            </a:ext>
-          </a:extLst>
-        </p:spPr>
-      </p:pic>
+      <p:sp>
+        <p:nvSpPr>
+          <p:cNvPr id="3" name="Content Placeholder 2"/>
+          <p:cNvSpPr>
+            <a:spLocks noGrp="1"/>
+          </p:cNvSpPr>
+          <p:nvPr>
+            <p:ph idx="1"/>
+          </p:nvPr>
+        </p:nvSpPr>
+        <p:spPr/>
+        <p:txBody>
+          <a:bodyPr/>
+          <a:lstStyle/>
+          <a:p>
+            <a:r>
+              <a:rPr lang="en-US" dirty="0"/>
+              <a:t>Integrated country </a:t>
+            </a:r>
+            <a:r>
+              <a:rPr lang="en-US" dirty="0" smtClean="0"/>
+              <a:t>flags</a:t>
+            </a:r>
+            <a:endParaRPr lang="en-US" dirty="0"/>
+          </a:p>
+        </p:txBody>
+      </p:sp>
     </p:spTree>
     <p:extLst>
       <p:ext uri="{BB962C8B-B14F-4D97-AF65-F5344CB8AC3E}">
-        <p14:creationId xmlns:p14="http://schemas.microsoft.com/office/powerpoint/2010/main" val="924305994"/>
+        <p14:creationId xmlns:p14="http://schemas.microsoft.com/office/powerpoint/2010/main" val="344515834"/>
       </p:ext>
     </p:extLst>
   </p:cSld>
@@ -3805,7 +3773,7 @@
       </p:grpSpPr>
       <p:sp>
         <p:nvSpPr>
-          <p:cNvPr id="2" name="Title 1"/>
+          <p:cNvPr id="4" name="Title 3"/>
           <p:cNvSpPr>
             <a:spLocks noGrp="1"/>
           </p:cNvSpPr>
@@ -3815,39 +3783,14 @@
         </p:nvSpPr>
         <p:spPr/>
         <p:txBody>
-          <a:bodyPr/>
-          <a:lstStyle/>
-          <a:p>
-            <a:r>
-              <a:rPr lang="en-US" dirty="0" smtClean="0"/>
-              <a:t>Code</a:t>
-            </a:r>
-            <a:endParaRPr lang="en-US" dirty="0"/>
-          </a:p>
-        </p:txBody>
-      </p:sp>
-      <p:sp>
-        <p:nvSpPr>
-          <p:cNvPr id="3" name="Content Placeholder 2"/>
-          <p:cNvSpPr>
-            <a:spLocks noGrp="1"/>
-          </p:cNvSpPr>
-          <p:nvPr>
-            <p:ph idx="1"/>
-          </p:nvPr>
-        </p:nvSpPr>
-        <p:spPr/>
-        <p:txBody>
-          <a:bodyPr/>
-          <a:lstStyle/>
-          <a:p>
-            <a:r>
-              <a:rPr lang="en-US" dirty="0"/>
-              <a:t>Integrated country </a:t>
-            </a:r>
-            <a:r>
-              <a:rPr lang="en-US" dirty="0" smtClean="0"/>
-              <a:t>flags</a:t>
+          <a:bodyPr>
+            <a:normAutofit/>
+          </a:bodyPr>
+          <a:lstStyle/>
+          <a:p>
+            <a:r>
+              <a:rPr lang="en-US" dirty="0" smtClean="0"/>
+              <a:t>Demonstration of code</a:t>
             </a:r>
             <a:endParaRPr lang="en-US" dirty="0"/>
           </a:p>
@@ -3856,7 +3799,7 @@
     </p:spTree>
     <p:extLst>
       <p:ext uri="{BB962C8B-B14F-4D97-AF65-F5344CB8AC3E}">
-        <p14:creationId xmlns:p14="http://schemas.microsoft.com/office/powerpoint/2010/main" val="344515834"/>
+        <p14:creationId xmlns:p14="http://schemas.microsoft.com/office/powerpoint/2010/main" val="2437106423"/>
       </p:ext>
     </p:extLst>
   </p:cSld>
@@ -3892,7 +3835,7 @@
       </p:grpSpPr>
       <p:sp>
         <p:nvSpPr>
-          <p:cNvPr id="4" name="Title 3"/>
+          <p:cNvPr id="2" name="Title 1"/>
           <p:cNvSpPr>
             <a:spLocks noGrp="1"/>
           </p:cNvSpPr>
@@ -3902,14 +3845,39 @@
         </p:nvSpPr>
         <p:spPr/>
         <p:txBody>
-          <a:bodyPr>
-            <a:normAutofit/>
-          </a:bodyPr>
-          <a:lstStyle/>
-          <a:p>
-            <a:r>
-              <a:rPr lang="en-US" dirty="0" smtClean="0"/>
-              <a:t>Demonstration of code</a:t>
+          <a:bodyPr/>
+          <a:lstStyle/>
+          <a:p>
+            <a:r>
+              <a:rPr lang="en-US" dirty="0" smtClean="0"/>
+              <a:t>Code</a:t>
+            </a:r>
+            <a:endParaRPr lang="en-US" dirty="0"/>
+          </a:p>
+        </p:txBody>
+      </p:sp>
+      <p:sp>
+        <p:nvSpPr>
+          <p:cNvPr id="3" name="Content Placeholder 2"/>
+          <p:cNvSpPr>
+            <a:spLocks noGrp="1"/>
+          </p:cNvSpPr>
+          <p:nvPr>
+            <p:ph idx="1"/>
+          </p:nvPr>
+        </p:nvSpPr>
+        <p:spPr/>
+        <p:txBody>
+          <a:bodyPr/>
+          <a:lstStyle/>
+          <a:p>
+            <a:r>
+              <a:rPr lang="en-US" dirty="0"/>
+              <a:t>Move </a:t>
+            </a:r>
+            <a:r>
+              <a:rPr lang="en-US" dirty="0" smtClean="0"/>
+              <a:t>validation</a:t>
             </a:r>
             <a:endParaRPr lang="en-US" dirty="0"/>
           </a:p>
@@ -3918,20 +3886,13 @@
     </p:spTree>
     <p:extLst>
       <p:ext uri="{BB962C8B-B14F-4D97-AF65-F5344CB8AC3E}">
-        <p14:creationId xmlns:p14="http://schemas.microsoft.com/office/powerpoint/2010/main" val="2437106423"/>
+        <p14:creationId xmlns:p14="http://schemas.microsoft.com/office/powerpoint/2010/main" val="2581541959"/>
       </p:ext>
     </p:extLst>
   </p:cSld>
   <p:clrMapOvr>
     <a:masterClrMapping/>
   </p:clrMapOvr>
-  <p:timing>
-    <p:tnLst>
-      <p:par>
-        <p:cTn id="1" dur="indefinite" restart="never" nodeType="tmRoot"/>
-      </p:par>
-    </p:tnLst>
-  </p:timing>
 </p:sld>
 </file>
 
@@ -3995,7 +3956,6 @@
               <a:rPr lang="en-US" dirty="0" smtClean="0"/>
               <a:t>Client to interface with our server (players can play against each other)</a:t>
             </a:r>
-            <a:endParaRPr lang="en-US" dirty="0" smtClean="0"/>
           </a:p>
           <a:p>
             <a:r>
@@ -4381,13 +4341,11 @@
           <a:p>
             <a:r>
               <a:rPr lang="en-US" dirty="0" smtClean="0"/>
-              <a:t>Move validation</a:t>
-            </a:r>
-          </a:p>
-          <a:p>
-            <a:r>
-              <a:rPr lang="en-US" dirty="0" smtClean="0"/>
-              <a:t>Chess clock integration</a:t>
+              <a:t>Chess </a:t>
+            </a:r>
+            <a:r>
+              <a:rPr lang="en-US" dirty="0" smtClean="0"/>
+              <a:t>clock integration</a:t>
             </a:r>
           </a:p>
           <a:p>
@@ -4426,9 +4384,16 @@
           </a:p>
           <a:p>
             <a:r>
-              <a:rPr lang="en-US" dirty="0" smtClean="0"/>
+              <a:rPr lang="en-US" dirty="0"/>
               <a:t>Integrated country flags</a:t>
             </a:r>
+          </a:p>
+          <a:p>
+            <a:r>
+              <a:rPr lang="en-US" dirty="0" smtClean="0"/>
+              <a:t>Move validation</a:t>
+            </a:r>
+            <a:endParaRPr lang="en-US" dirty="0"/>
           </a:p>
         </p:txBody>
       </p:sp>
@@ -4471,7 +4436,7 @@
       </p:grpSpPr>
       <p:sp>
         <p:nvSpPr>
-          <p:cNvPr id="2" name="Title 1"/>
+          <p:cNvPr id="4" name="Title 3"/>
           <p:cNvSpPr>
             <a:spLocks noGrp="1"/>
           </p:cNvSpPr>
@@ -4481,9 +4446,12 @@
         </p:nvSpPr>
         <p:spPr/>
         <p:txBody>
-          <a:bodyPr/>
-          <a:lstStyle/>
-          <a:p>
+          <a:bodyPr>
+            <a:normAutofit/>
+          </a:bodyPr>
+          <a:lstStyle/>
+          <a:p>
+            <a:pPr algn="l"/>
             <a:r>
               <a:rPr lang="en-US" dirty="0" smtClean="0"/>
               <a:t>Code</a:t>
@@ -4494,7 +4462,7 @@
       </p:sp>
       <p:sp>
         <p:nvSpPr>
-          <p:cNvPr id="3" name="Content Placeholder 2"/>
+          <p:cNvPr id="2" name="Content Placeholder 1"/>
           <p:cNvSpPr>
             <a:spLocks noGrp="1"/>
           </p:cNvSpPr>
@@ -4508,27 +4476,38 @@
           <a:lstStyle/>
           <a:p>
             <a:r>
+              <a:rPr lang="en-US" dirty="0" smtClean="0"/>
+              <a:t>Chess clock integration</a:t>
+            </a:r>
+          </a:p>
+          <a:p>
+            <a:pPr marL="0" indent="0">
+              <a:buNone/>
+            </a:pPr>
+            <a:r>
               <a:rPr lang="en-US" dirty="0"/>
-              <a:t>Move </a:t>
-            </a:r>
-            <a:r>
-              <a:rPr lang="en-US" dirty="0" smtClean="0"/>
-              <a:t>validation</a:t>
-            </a:r>
-            <a:endParaRPr lang="en-US" dirty="0"/>
+              <a:t>	</a:t>
+            </a:r>
           </a:p>
         </p:txBody>
       </p:sp>
     </p:spTree>
     <p:extLst>
       <p:ext uri="{BB962C8B-B14F-4D97-AF65-F5344CB8AC3E}">
-        <p14:creationId xmlns:p14="http://schemas.microsoft.com/office/powerpoint/2010/main" val="2581541959"/>
+        <p14:creationId xmlns:p14="http://schemas.microsoft.com/office/powerpoint/2010/main" val="4170783713"/>
       </p:ext>
     </p:extLst>
   </p:cSld>
   <p:clrMapOvr>
     <a:masterClrMapping/>
   </p:clrMapOvr>
+  <p:timing>
+    <p:tnLst>
+      <p:par>
+        <p:cTn id="1" dur="indefinite" restart="never" nodeType="tmRoot"/>
+      </p:par>
+    </p:tnLst>
+  </p:timing>
 </p:sld>
 </file>
 
@@ -4551,7 +4530,7 @@
       </p:grpSpPr>
       <p:sp>
         <p:nvSpPr>
-          <p:cNvPr id="4" name="Title 3"/>
+          <p:cNvPr id="2" name="Title 1"/>
           <p:cNvSpPr>
             <a:spLocks noGrp="1"/>
           </p:cNvSpPr>
@@ -4561,12 +4540,9 @@
         </p:nvSpPr>
         <p:spPr/>
         <p:txBody>
-          <a:bodyPr>
-            <a:normAutofit/>
-          </a:bodyPr>
-          <a:lstStyle/>
-          <a:p>
-            <a:pPr algn="l"/>
+          <a:bodyPr/>
+          <a:lstStyle/>
+          <a:p>
             <a:r>
               <a:rPr lang="en-US" dirty="0" smtClean="0"/>
               <a:t>Code</a:t>
@@ -4577,7 +4553,7 @@
       </p:sp>
       <p:sp>
         <p:nvSpPr>
-          <p:cNvPr id="2" name="Content Placeholder 1"/>
+          <p:cNvPr id="3" name="Content Placeholder 2"/>
           <p:cNvSpPr>
             <a:spLocks noGrp="1"/>
           </p:cNvSpPr>
@@ -4592,37 +4568,22 @@
           <a:p>
             <a:r>
               <a:rPr lang="en-US" dirty="0" smtClean="0"/>
-              <a:t>Chess clock integration</a:t>
-            </a:r>
-          </a:p>
-          <a:p>
-            <a:pPr marL="0" indent="0">
-              <a:buNone/>
-            </a:pPr>
-            <a:r>
-              <a:rPr lang="en-US" dirty="0"/>
-              <a:t>	</a:t>
-            </a:r>
+              <a:t>Algebraic notation</a:t>
+            </a:r>
+            <a:endParaRPr lang="en-US" dirty="0"/>
           </a:p>
         </p:txBody>
       </p:sp>
     </p:spTree>
     <p:extLst>
       <p:ext uri="{BB962C8B-B14F-4D97-AF65-F5344CB8AC3E}">
-        <p14:creationId xmlns:p14="http://schemas.microsoft.com/office/powerpoint/2010/main" val="4170783713"/>
+        <p14:creationId xmlns:p14="http://schemas.microsoft.com/office/powerpoint/2010/main" val="3918185164"/>
       </p:ext>
     </p:extLst>
   </p:cSld>
   <p:clrMapOvr>
     <a:masterClrMapping/>
   </p:clrMapOvr>
-  <p:timing>
-    <p:tnLst>
-      <p:par>
-        <p:cTn id="1" dur="indefinite" restart="never" nodeType="tmRoot"/>
-      </p:par>
-    </p:tnLst>
-  </p:timing>
 </p:sld>
 </file>
 
@@ -4683,82 +4644,6 @@
           <a:p>
             <a:r>
               <a:rPr lang="en-US" dirty="0" smtClean="0"/>
-              <a:t>Algebraic notation</a:t>
-            </a:r>
-            <a:endParaRPr lang="en-US" dirty="0"/>
-          </a:p>
-        </p:txBody>
-      </p:sp>
-    </p:spTree>
-    <p:extLst>
-      <p:ext uri="{BB962C8B-B14F-4D97-AF65-F5344CB8AC3E}">
-        <p14:creationId xmlns:p14="http://schemas.microsoft.com/office/powerpoint/2010/main" val="3918185164"/>
-      </p:ext>
-    </p:extLst>
-  </p:cSld>
-  <p:clrMapOvr>
-    <a:masterClrMapping/>
-  </p:clrMapOvr>
-</p:sld>
-</file>
-
-<file path=ppt/slides/slide7.xml><?xml version="1.0" encoding="utf-8"?>
-<p:sld xmlns:a="http://schemas.openxmlformats.org/drawingml/2006/main" xmlns:r="http://schemas.openxmlformats.org/officeDocument/2006/relationships" xmlns:p="http://schemas.openxmlformats.org/presentationml/2006/main">
-  <p:cSld>
-    <p:spTree>
-      <p:nvGrpSpPr>
-        <p:cNvPr id="1" name=""/>
-        <p:cNvGrpSpPr/>
-        <p:nvPr/>
-      </p:nvGrpSpPr>
-      <p:grpSpPr>
-        <a:xfrm>
-          <a:off x="0" y="0"/>
-          <a:ext cx="0" cy="0"/>
-          <a:chOff x="0" y="0"/>
-          <a:chExt cx="0" cy="0"/>
-        </a:xfrm>
-      </p:grpSpPr>
-      <p:sp>
-        <p:nvSpPr>
-          <p:cNvPr id="2" name="Title 1"/>
-          <p:cNvSpPr>
-            <a:spLocks noGrp="1"/>
-          </p:cNvSpPr>
-          <p:nvPr>
-            <p:ph type="title"/>
-          </p:nvPr>
-        </p:nvSpPr>
-        <p:spPr/>
-        <p:txBody>
-          <a:bodyPr/>
-          <a:lstStyle/>
-          <a:p>
-            <a:r>
-              <a:rPr lang="en-US" dirty="0" smtClean="0"/>
-              <a:t>Code</a:t>
-            </a:r>
-            <a:endParaRPr lang="en-US" dirty="0"/>
-          </a:p>
-        </p:txBody>
-      </p:sp>
-      <p:sp>
-        <p:nvSpPr>
-          <p:cNvPr id="3" name="Content Placeholder 2"/>
-          <p:cNvSpPr>
-            <a:spLocks noGrp="1"/>
-          </p:cNvSpPr>
-          <p:nvPr>
-            <p:ph idx="1"/>
-          </p:nvPr>
-        </p:nvSpPr>
-        <p:spPr/>
-        <p:txBody>
-          <a:bodyPr/>
-          <a:lstStyle/>
-          <a:p>
-            <a:r>
-              <a:rPr lang="en-US" dirty="0" smtClean="0"/>
               <a:t>Move history</a:t>
             </a:r>
             <a:endParaRPr lang="en-US" dirty="0"/>
@@ -4785,7 +4670,7 @@
 </p:sld>
 </file>
 
-<file path=ppt/slides/slide8.xml><?xml version="1.0" encoding="utf-8"?>
+<file path=ppt/slides/slide7.xml><?xml version="1.0" encoding="utf-8"?>
 <p:sld xmlns:a="http://schemas.openxmlformats.org/drawingml/2006/main" xmlns:r="http://schemas.openxmlformats.org/officeDocument/2006/relationships" xmlns:p="http://schemas.openxmlformats.org/presentationml/2006/main">
   <p:cSld>
     <p:spTree>
@@ -4939,6 +4824,93 @@
 </p:sld>
 </file>
 
+<file path=ppt/slides/slide8.xml><?xml version="1.0" encoding="utf-8"?>
+<p:sld xmlns:a="http://schemas.openxmlformats.org/drawingml/2006/main" xmlns:r="http://schemas.openxmlformats.org/officeDocument/2006/relationships" xmlns:p="http://schemas.openxmlformats.org/presentationml/2006/main">
+  <p:cSld>
+    <p:spTree>
+      <p:nvGrpSpPr>
+        <p:cNvPr id="1" name=""/>
+        <p:cNvGrpSpPr/>
+        <p:nvPr/>
+      </p:nvGrpSpPr>
+      <p:grpSpPr>
+        <a:xfrm>
+          <a:off x="0" y="0"/>
+          <a:ext cx="0" cy="0"/>
+          <a:chOff x="0" y="0"/>
+          <a:chExt cx="0" cy="0"/>
+        </a:xfrm>
+      </p:grpSpPr>
+      <p:sp>
+        <p:nvSpPr>
+          <p:cNvPr id="2" name="Title 1"/>
+          <p:cNvSpPr>
+            <a:spLocks noGrp="1"/>
+          </p:cNvSpPr>
+          <p:nvPr>
+            <p:ph type="title"/>
+          </p:nvPr>
+        </p:nvSpPr>
+        <p:spPr/>
+        <p:txBody>
+          <a:bodyPr/>
+          <a:lstStyle/>
+          <a:p>
+            <a:r>
+              <a:rPr lang="en-US" dirty="0" smtClean="0"/>
+              <a:t>Code</a:t>
+            </a:r>
+            <a:endParaRPr lang="en-US" dirty="0"/>
+          </a:p>
+        </p:txBody>
+      </p:sp>
+      <p:sp>
+        <p:nvSpPr>
+          <p:cNvPr id="3" name="Content Placeholder 2"/>
+          <p:cNvSpPr>
+            <a:spLocks noGrp="1"/>
+          </p:cNvSpPr>
+          <p:nvPr>
+            <p:ph idx="1"/>
+          </p:nvPr>
+        </p:nvSpPr>
+        <p:spPr/>
+        <p:txBody>
+          <a:bodyPr/>
+          <a:lstStyle/>
+          <a:p>
+            <a:r>
+              <a:rPr lang="en-US" dirty="0"/>
+              <a:t>Updated presentation layer </a:t>
+            </a:r>
+            <a:r>
+              <a:rPr lang="en-US" dirty="0" smtClean="0"/>
+              <a:t>layout</a:t>
+            </a:r>
+            <a:endParaRPr lang="en-US" dirty="0"/>
+          </a:p>
+        </p:txBody>
+      </p:sp>
+    </p:spTree>
+    <p:extLst>
+      <p:ext uri="{BB962C8B-B14F-4D97-AF65-F5344CB8AC3E}">
+        <p14:creationId xmlns:p14="http://schemas.microsoft.com/office/powerpoint/2010/main" val="673764038"/>
+      </p:ext>
+    </p:extLst>
+  </p:cSld>
+  <p:clrMapOvr>
+    <a:masterClrMapping/>
+  </p:clrMapOvr>
+  <p:timing>
+    <p:tnLst>
+      <p:par>
+        <p:cTn id="1" dur="indefinite" restart="never" nodeType="tmRoot"/>
+      </p:par>
+    </p:tnLst>
+  </p:timing>
+</p:sld>
+</file>
+
 <file path=ppt/slides/slide9.xml><?xml version="1.0" encoding="utf-8"?>
 <p:sld xmlns:a="http://schemas.openxmlformats.org/drawingml/2006/main" xmlns:r="http://schemas.openxmlformats.org/officeDocument/2006/relationships" xmlns:p="http://schemas.openxmlformats.org/presentationml/2006/main">
   <p:cSld>
@@ -4966,50 +4938,86 @@
             <p:ph type="title"/>
           </p:nvPr>
         </p:nvSpPr>
-        <p:spPr/>
-        <p:txBody>
-          <a:bodyPr/>
-          <a:lstStyle/>
-          <a:p>
-            <a:r>
-              <a:rPr lang="en-US" dirty="0" smtClean="0"/>
-              <a:t>Code</a:t>
+        <p:spPr>
+          <a:xfrm>
+            <a:off x="448965" y="527605"/>
+            <a:ext cx="8229600" cy="1143000"/>
+          </a:xfrm>
+        </p:spPr>
+        <p:txBody>
+          <a:bodyPr/>
+          <a:lstStyle/>
+          <a:p>
+            <a:r>
+              <a:rPr lang="en-US" dirty="0" smtClean="0"/>
+              <a:t>Code – </a:t>
+            </a:r>
+            <a:r>
+              <a:rPr lang="en-US" dirty="0" smtClean="0"/>
+              <a:t>Settings</a:t>
             </a:r>
             <a:endParaRPr lang="en-US" dirty="0"/>
           </a:p>
         </p:txBody>
       </p:sp>
-      <p:sp>
-        <p:nvSpPr>
-          <p:cNvPr id="3" name="Content Placeholder 2"/>
-          <p:cNvSpPr>
-            <a:spLocks noGrp="1"/>
-          </p:cNvSpPr>
-          <p:nvPr>
-            <p:ph idx="1"/>
-          </p:nvPr>
-        </p:nvSpPr>
-        <p:spPr/>
-        <p:txBody>
-          <a:bodyPr/>
-          <a:lstStyle/>
-          <a:p>
-            <a:r>
-              <a:rPr lang="en-US" dirty="0"/>
-              <a:t>Updated presentation layer </a:t>
-            </a:r>
-            <a:r>
-              <a:rPr lang="en-US" dirty="0" smtClean="0"/>
-              <a:t>layout</a:t>
-            </a:r>
-            <a:endParaRPr lang="en-US" dirty="0"/>
-          </a:p>
-        </p:txBody>
-      </p:sp>
+      <p:pic>
+        <p:nvPicPr>
+          <p:cNvPr id="1027" name="Picture 3"/>
+          <p:cNvPicPr>
+            <a:picLocks noChangeAspect="1" noChangeArrowheads="1"/>
+          </p:cNvPicPr>
+          <p:nvPr/>
+        </p:nvPicPr>
+        <p:blipFill>
+          <a:blip r:embed="rId2">
+            <a:extLst>
+              <a:ext uri="{28A0092B-C50C-407E-A947-70E740481C1C}">
+                <a14:useLocalDpi xmlns:a14="http://schemas.microsoft.com/office/drawing/2010/main" val="0"/>
+              </a:ext>
+            </a:extLst>
+          </a:blip>
+          <a:srcRect/>
+          <a:stretch>
+            <a:fillRect/>
+          </a:stretch>
+        </p:blipFill>
+        <p:spPr bwMode="auto">
+          <a:xfrm>
+            <a:off x="1212490" y="1326071"/>
+            <a:ext cx="6260905" cy="5039266"/>
+          </a:xfrm>
+          <a:prstGeom prst="rect">
+            <a:avLst/>
+          </a:prstGeom>
+          <a:noFill/>
+          <a:ln>
+            <a:noFill/>
+          </a:ln>
+          <a:extLst>
+            <a:ext uri="{909E8E84-426E-40DD-AFC4-6F175D3DCCD1}">
+              <a14:hiddenFill xmlns:a14="http://schemas.microsoft.com/office/drawing/2010/main">
+                <a:solidFill>
+                  <a:schemeClr val="accent1"/>
+                </a:solidFill>
+              </a14:hiddenFill>
+            </a:ext>
+            <a:ext uri="{91240B29-F687-4F45-9708-019B960494DF}">
+              <a14:hiddenLine xmlns:a14="http://schemas.microsoft.com/office/drawing/2010/main" w="9525">
+                <a:solidFill>
+                  <a:schemeClr val="tx1"/>
+                </a:solidFill>
+                <a:miter lim="800000"/>
+                <a:headEnd/>
+                <a:tailEnd/>
+              </a14:hiddenLine>
+            </a:ext>
+          </a:extLst>
+        </p:spPr>
+      </p:pic>
     </p:spTree>
     <p:extLst>
       <p:ext uri="{BB962C8B-B14F-4D97-AF65-F5344CB8AC3E}">
-        <p14:creationId xmlns:p14="http://schemas.microsoft.com/office/powerpoint/2010/main" val="673764038"/>
+        <p14:creationId xmlns:p14="http://schemas.microsoft.com/office/powerpoint/2010/main" val="924305994"/>
       </p:ext>
     </p:extLst>
   </p:cSld>

--- a/doc/PowerPoints/Sprint 3 Term 2/Winter 2015 S3 Presentation.pptx
+++ b/doc/PowerPoints/Sprint 3 Term 2/Winter 2015 S3 Presentation.pptx
@@ -11,15 +11,16 @@
     <p:sldId id="258" r:id="rId5"/>
     <p:sldId id="264" r:id="rId6"/>
     <p:sldId id="265" r:id="rId7"/>
-    <p:sldId id="266" r:id="rId8"/>
-    <p:sldId id="267" r:id="rId9"/>
-    <p:sldId id="268" r:id="rId10"/>
-    <p:sldId id="269" r:id="rId11"/>
-    <p:sldId id="263" r:id="rId12"/>
+    <p:sldId id="271" r:id="rId8"/>
+    <p:sldId id="266" r:id="rId9"/>
+    <p:sldId id="267" r:id="rId10"/>
+    <p:sldId id="268" r:id="rId11"/>
+    <p:sldId id="269" r:id="rId12"/>
     <p:sldId id="270" r:id="rId13"/>
-    <p:sldId id="260" r:id="rId14"/>
-    <p:sldId id="261" r:id="rId15"/>
-    <p:sldId id="262" r:id="rId16"/>
+    <p:sldId id="263" r:id="rId14"/>
+    <p:sldId id="260" r:id="rId15"/>
+    <p:sldId id="261" r:id="rId16"/>
+    <p:sldId id="262" r:id="rId17"/>
   </p:sldIdLst>
   <p:sldSz cx="9144000" cy="6858000" type="screen4x3"/>
   <p:notesSz cx="6858000" cy="9144000"/>
@@ -120,7 +121,7 @@
   </p:defaultTextStyle>
   <p:extLst>
     <p:ext uri="{EFAFB233-063F-42B5-8137-9DF3F51BA10A}">
-      <p15:sldGuideLst xmlns:p15="http://schemas.microsoft.com/office/powerpoint/2012/main" xmlns="">
+      <p15:sldGuideLst xmlns:p15="http://schemas.microsoft.com/office/powerpoint/2012/main">
         <p15:guide id="1" orient="horz" pos="2160">
           <p15:clr>
             <a:srgbClr val="A4A3A4"/>
@@ -3694,50 +3695,82 @@
             <p:ph type="title"/>
           </p:nvPr>
         </p:nvSpPr>
-        <p:spPr/>
-        <p:txBody>
-          <a:bodyPr/>
-          <a:lstStyle/>
-          <a:p>
-            <a:r>
-              <a:rPr lang="en-US" dirty="0" smtClean="0"/>
-              <a:t>Code</a:t>
+        <p:spPr>
+          <a:xfrm>
+            <a:off x="448965" y="527605"/>
+            <a:ext cx="8229600" cy="1143000"/>
+          </a:xfrm>
+        </p:spPr>
+        <p:txBody>
+          <a:bodyPr/>
+          <a:lstStyle/>
+          <a:p>
+            <a:r>
+              <a:rPr lang="en-US" dirty="0" smtClean="0"/>
+              <a:t>Code – Settings</a:t>
             </a:r>
             <a:endParaRPr lang="en-US" dirty="0"/>
           </a:p>
         </p:txBody>
       </p:sp>
-      <p:sp>
-        <p:nvSpPr>
-          <p:cNvPr id="3" name="Content Placeholder 2"/>
-          <p:cNvSpPr>
-            <a:spLocks noGrp="1"/>
-          </p:cNvSpPr>
-          <p:nvPr>
-            <p:ph idx="1"/>
-          </p:nvPr>
-        </p:nvSpPr>
-        <p:spPr/>
-        <p:txBody>
-          <a:bodyPr/>
-          <a:lstStyle/>
-          <a:p>
-            <a:r>
-              <a:rPr lang="en-US" dirty="0"/>
-              <a:t>Integrated country </a:t>
-            </a:r>
-            <a:r>
-              <a:rPr lang="en-US" dirty="0" smtClean="0"/>
-              <a:t>flags</a:t>
-            </a:r>
-            <a:endParaRPr lang="en-US" dirty="0"/>
-          </a:p>
-        </p:txBody>
-      </p:sp>
+      <p:pic>
+        <p:nvPicPr>
+          <p:cNvPr id="1027" name="Picture 3"/>
+          <p:cNvPicPr>
+            <a:picLocks noChangeAspect="1" noChangeArrowheads="1"/>
+          </p:cNvPicPr>
+          <p:nvPr/>
+        </p:nvPicPr>
+        <p:blipFill>
+          <a:blip r:embed="rId2">
+            <a:extLst>
+              <a:ext uri="{28A0092B-C50C-407E-A947-70E740481C1C}">
+                <a14:useLocalDpi xmlns:a14="http://schemas.microsoft.com/office/drawing/2010/main" val="0"/>
+              </a:ext>
+            </a:extLst>
+          </a:blip>
+          <a:srcRect/>
+          <a:stretch>
+            <a:fillRect/>
+          </a:stretch>
+        </p:blipFill>
+        <p:spPr bwMode="auto">
+          <a:xfrm>
+            <a:off x="1212490" y="1326071"/>
+            <a:ext cx="6260905" cy="5039266"/>
+          </a:xfrm>
+          <a:prstGeom prst="rect">
+            <a:avLst/>
+          </a:prstGeom>
+          <a:noFill/>
+          <a:ln>
+            <a:noFill/>
+          </a:ln>
+          <a:extLst>
+            <a:ext uri="{909E8E84-426E-40DD-AFC4-6F175D3DCCD1}">
+              <a14:hiddenFill xmlns:a14="http://schemas.microsoft.com/office/drawing/2010/main">
+                <a:solidFill>
+                  <a:schemeClr val="accent1"/>
+                </a:solidFill>
+              </a14:hiddenFill>
+            </a:ext>
+            <a:ext uri="{91240B29-F687-4F45-9708-019B960494DF}">
+              <a14:hiddenLine xmlns:a14="http://schemas.microsoft.com/office/drawing/2010/main" w="9525">
+                <a:solidFill>
+                  <a:schemeClr val="tx1"/>
+                </a:solidFill>
+                <a:miter lim="800000"/>
+                <a:headEnd/>
+                <a:tailEnd/>
+              </a14:hiddenLine>
+            </a:ext>
+          </a:extLst>
+        </p:spPr>
+      </p:pic>
     </p:spTree>
     <p:extLst>
       <p:ext uri="{BB962C8B-B14F-4D97-AF65-F5344CB8AC3E}">
-        <p14:creationId xmlns:p14="http://schemas.microsoft.com/office/powerpoint/2010/main" val="344515834"/>
+        <p14:creationId xmlns:p14="http://schemas.microsoft.com/office/powerpoint/2010/main" val="924305994"/>
       </p:ext>
     </p:extLst>
   </p:cSld>
@@ -3773,7 +3806,7 @@
       </p:grpSpPr>
       <p:sp>
         <p:nvSpPr>
-          <p:cNvPr id="4" name="Title 3"/>
+          <p:cNvPr id="2" name="Title 1"/>
           <p:cNvSpPr>
             <a:spLocks noGrp="1"/>
           </p:cNvSpPr>
@@ -3783,14 +3816,39 @@
         </p:nvSpPr>
         <p:spPr/>
         <p:txBody>
-          <a:bodyPr>
-            <a:normAutofit/>
-          </a:bodyPr>
-          <a:lstStyle/>
-          <a:p>
-            <a:r>
-              <a:rPr lang="en-US" dirty="0" smtClean="0"/>
-              <a:t>Demonstration of code</a:t>
+          <a:bodyPr/>
+          <a:lstStyle/>
+          <a:p>
+            <a:r>
+              <a:rPr lang="en-US" dirty="0" smtClean="0"/>
+              <a:t>Code</a:t>
+            </a:r>
+            <a:endParaRPr lang="en-US" dirty="0"/>
+          </a:p>
+        </p:txBody>
+      </p:sp>
+      <p:sp>
+        <p:nvSpPr>
+          <p:cNvPr id="3" name="Content Placeholder 2"/>
+          <p:cNvSpPr>
+            <a:spLocks noGrp="1"/>
+          </p:cNvSpPr>
+          <p:nvPr>
+            <p:ph idx="1"/>
+          </p:nvPr>
+        </p:nvSpPr>
+        <p:spPr/>
+        <p:txBody>
+          <a:bodyPr/>
+          <a:lstStyle/>
+          <a:p>
+            <a:r>
+              <a:rPr lang="en-US" dirty="0"/>
+              <a:t>Integrated country </a:t>
+            </a:r>
+            <a:r>
+              <a:rPr lang="en-US" dirty="0" smtClean="0"/>
+              <a:t>flags</a:t>
             </a:r>
             <a:endParaRPr lang="en-US" dirty="0"/>
           </a:p>
@@ -3799,7 +3857,7 @@
     </p:spTree>
     <p:extLst>
       <p:ext uri="{BB962C8B-B14F-4D97-AF65-F5344CB8AC3E}">
-        <p14:creationId xmlns:p14="http://schemas.microsoft.com/office/powerpoint/2010/main" val="2437106423"/>
+        <p14:creationId xmlns:p14="http://schemas.microsoft.com/office/powerpoint/2010/main" val="344515834"/>
       </p:ext>
     </p:extLst>
   </p:cSld>
@@ -3915,7 +3973,7 @@
       </p:grpSpPr>
       <p:sp>
         <p:nvSpPr>
-          <p:cNvPr id="2" name="Title 1"/>
+          <p:cNvPr id="4" name="Title 3"/>
           <p:cNvSpPr>
             <a:spLocks noGrp="1"/>
           </p:cNvSpPr>
@@ -3925,50 +3983,23 @@
         </p:nvSpPr>
         <p:spPr/>
         <p:txBody>
-          <a:bodyPr/>
-          <a:lstStyle/>
-          <a:p>
-            <a:pPr algn="l"/>
-            <a:r>
-              <a:rPr lang="en-US" dirty="0" smtClean="0"/>
-              <a:t>Plans for Next Sprint</a:t>
+          <a:bodyPr>
+            <a:normAutofit/>
+          </a:bodyPr>
+          <a:lstStyle/>
+          <a:p>
+            <a:r>
+              <a:rPr lang="en-US" dirty="0" smtClean="0"/>
+              <a:t>Demonstration of code</a:t>
             </a:r>
             <a:endParaRPr lang="en-US" dirty="0"/>
-          </a:p>
-        </p:txBody>
-      </p:sp>
-      <p:sp>
-        <p:nvSpPr>
-          <p:cNvPr id="3" name="Content Placeholder 2"/>
-          <p:cNvSpPr>
-            <a:spLocks noGrp="1"/>
-          </p:cNvSpPr>
-          <p:nvPr>
-            <p:ph idx="1"/>
-          </p:nvPr>
-        </p:nvSpPr>
-        <p:spPr/>
-        <p:txBody>
-          <a:bodyPr/>
-          <a:lstStyle/>
-          <a:p>
-            <a:r>
-              <a:rPr lang="en-US" dirty="0" smtClean="0"/>
-              <a:t>Client to interface with our server (players can play against each other)</a:t>
-            </a:r>
-          </a:p>
-          <a:p>
-            <a:r>
-              <a:rPr lang="en-US" dirty="0" smtClean="0"/>
-              <a:t>Customized piece sets</a:t>
-            </a:r>
           </a:p>
         </p:txBody>
       </p:sp>
     </p:spTree>
     <p:extLst>
       <p:ext uri="{BB962C8B-B14F-4D97-AF65-F5344CB8AC3E}">
-        <p14:creationId xmlns:p14="http://schemas.microsoft.com/office/powerpoint/2010/main" val="3222293593"/>
+        <p14:creationId xmlns:p14="http://schemas.microsoft.com/office/powerpoint/2010/main" val="2437106423"/>
       </p:ext>
     </p:extLst>
   </p:cSld>
@@ -4020,7 +4051,7 @@
             <a:pPr algn="l"/>
             <a:r>
               <a:rPr lang="en-US" dirty="0" smtClean="0"/>
-              <a:t>Q&amp;A</a:t>
+              <a:t>Plans for Next Sprint</a:t>
             </a:r>
             <a:endParaRPr lang="en-US" dirty="0"/>
           </a:p>
@@ -4043,15 +4074,34 @@
           <a:p>
             <a:r>
               <a:rPr lang="en-US" dirty="0" smtClean="0"/>
-              <a:t>…</a:t>
-            </a:r>
+              <a:t>Client to interface with our server (players can play against each other)</a:t>
+            </a:r>
+          </a:p>
+          <a:p>
+            <a:r>
+              <a:rPr lang="en-US" dirty="0" smtClean="0"/>
+              <a:t>Customized piece </a:t>
+            </a:r>
+            <a:r>
+              <a:rPr lang="en-US" dirty="0" smtClean="0"/>
+              <a:t>sets and adding features to settings</a:t>
+            </a:r>
+          </a:p>
+          <a:p>
+            <a:r>
+              <a:rPr lang="en-US" dirty="0" smtClean="0"/>
+              <a:t>Finishing complex move validations</a:t>
+            </a:r>
+          </a:p>
+          <a:p>
+            <a:endParaRPr lang="en-US" dirty="0" smtClean="0"/>
           </a:p>
         </p:txBody>
       </p:sp>
     </p:spTree>
     <p:extLst>
       <p:ext uri="{BB962C8B-B14F-4D97-AF65-F5344CB8AC3E}">
-        <p14:creationId xmlns:p14="http://schemas.microsoft.com/office/powerpoint/2010/main" val="689890527"/>
+        <p14:creationId xmlns:p14="http://schemas.microsoft.com/office/powerpoint/2010/main" val="3222293593"/>
       </p:ext>
     </p:extLst>
   </p:cSld>
@@ -4103,6 +4153,93 @@
             <a:pPr algn="l"/>
             <a:r>
               <a:rPr lang="en-US" dirty="0" smtClean="0"/>
+              <a:t>Q &amp;</a:t>
+            </a:r>
+            <a:r>
+              <a:rPr lang="en-US" dirty="0" smtClean="0"/>
+              <a:t>A</a:t>
+            </a:r>
+            <a:endParaRPr lang="en-US" dirty="0"/>
+          </a:p>
+        </p:txBody>
+      </p:sp>
+      <p:sp>
+        <p:nvSpPr>
+          <p:cNvPr id="3" name="Content Placeholder 2"/>
+          <p:cNvSpPr>
+            <a:spLocks noGrp="1"/>
+          </p:cNvSpPr>
+          <p:nvPr>
+            <p:ph idx="1"/>
+          </p:nvPr>
+        </p:nvSpPr>
+        <p:spPr/>
+        <p:txBody>
+          <a:bodyPr/>
+          <a:lstStyle/>
+          <a:p>
+            <a:pPr marL="0" indent="0">
+              <a:buNone/>
+            </a:pPr>
+            <a:endParaRPr lang="en-US" dirty="0" smtClean="0"/>
+          </a:p>
+        </p:txBody>
+      </p:sp>
+    </p:spTree>
+    <p:extLst>
+      <p:ext uri="{BB962C8B-B14F-4D97-AF65-F5344CB8AC3E}">
+        <p14:creationId xmlns:p14="http://schemas.microsoft.com/office/powerpoint/2010/main" val="689890527"/>
+      </p:ext>
+    </p:extLst>
+  </p:cSld>
+  <p:clrMapOvr>
+    <a:masterClrMapping/>
+  </p:clrMapOvr>
+  <p:timing>
+    <p:tnLst>
+      <p:par>
+        <p:cTn id="1" dur="indefinite" restart="never" nodeType="tmRoot"/>
+      </p:par>
+    </p:tnLst>
+  </p:timing>
+</p:sld>
+</file>
+
+<file path=ppt/slides/slide16.xml><?xml version="1.0" encoding="utf-8"?>
+<p:sld xmlns:a="http://schemas.openxmlformats.org/drawingml/2006/main" xmlns:r="http://schemas.openxmlformats.org/officeDocument/2006/relationships" xmlns:p="http://schemas.openxmlformats.org/presentationml/2006/main">
+  <p:cSld>
+    <p:spTree>
+      <p:nvGrpSpPr>
+        <p:cNvPr id="1" name=""/>
+        <p:cNvGrpSpPr/>
+        <p:nvPr/>
+      </p:nvGrpSpPr>
+      <p:grpSpPr>
+        <a:xfrm>
+          <a:off x="0" y="0"/>
+          <a:ext cx="0" cy="0"/>
+          <a:chOff x="0" y="0"/>
+          <a:chExt cx="0" cy="0"/>
+        </a:xfrm>
+      </p:grpSpPr>
+      <p:sp>
+        <p:nvSpPr>
+          <p:cNvPr id="2" name="Title 1"/>
+          <p:cNvSpPr>
+            <a:spLocks noGrp="1"/>
+          </p:cNvSpPr>
+          <p:nvPr>
+            <p:ph type="title"/>
+          </p:nvPr>
+        </p:nvSpPr>
+        <p:spPr/>
+        <p:txBody>
+          <a:bodyPr/>
+          <a:lstStyle/>
+          <a:p>
+            <a:pPr algn="l"/>
+            <a:r>
+              <a:rPr lang="en-US" dirty="0" smtClean="0"/>
               <a:t>Conclusion</a:t>
             </a:r>
             <a:endParaRPr lang="en-US" dirty="0"/>
@@ -4124,18 +4261,10 @@
           <a:bodyPr/>
           <a:lstStyle/>
           <a:p>
-            <a:r>
-              <a:rPr lang="en-US" dirty="0" smtClean="0"/>
-              <a:t>Give us them </a:t>
-            </a:r>
-            <a:r>
-              <a:rPr lang="en-US" dirty="0" err="1" smtClean="0"/>
-              <a:t>sticky’s</a:t>
-            </a:r>
-            <a:r>
-              <a:rPr lang="en-US" dirty="0" smtClean="0"/>
-              <a:t>!</a:t>
-            </a:r>
+            <a:pPr marL="0" indent="0">
+              <a:buNone/>
+            </a:pPr>
+            <a:endParaRPr lang="en-US" dirty="0" smtClean="0"/>
           </a:p>
         </p:txBody>
       </p:sp>
@@ -4341,11 +4470,7 @@
           <a:p>
             <a:r>
               <a:rPr lang="en-US" dirty="0" smtClean="0"/>
-              <a:t>Chess </a:t>
-            </a:r>
-            <a:r>
-              <a:rPr lang="en-US" dirty="0" smtClean="0"/>
-              <a:t>clock integration</a:t>
+              <a:t>Chess clock integration</a:t>
             </a:r>
           </a:p>
           <a:p>
@@ -4574,6 +4699,30 @@
           </a:p>
         </p:txBody>
       </p:sp>
+      <p:pic>
+        <p:nvPicPr>
+          <p:cNvPr id="4" name="Picture 3"/>
+          <p:cNvPicPr>
+            <a:picLocks noChangeAspect="1"/>
+          </p:cNvPicPr>
+          <p:nvPr/>
+        </p:nvPicPr>
+        <p:blipFill>
+          <a:blip r:embed="rId2"/>
+          <a:stretch>
+            <a:fillRect/>
+          </a:stretch>
+        </p:blipFill>
+        <p:spPr>
+          <a:xfrm>
+            <a:off x="247650" y="3095625"/>
+            <a:ext cx="8896350" cy="3762375"/>
+          </a:xfrm>
+          <a:prstGeom prst="rect">
+            <a:avLst/>
+          </a:prstGeom>
+        </p:spPr>
+      </p:pic>
     </p:spTree>
     <p:extLst>
       <p:ext uri="{BB962C8B-B14F-4D97-AF65-F5344CB8AC3E}">
@@ -4584,6 +4733,13 @@
   <p:clrMapOvr>
     <a:masterClrMapping/>
   </p:clrMapOvr>
+  <p:timing>
+    <p:tnLst>
+      <p:par>
+        <p:cTn id="1" dur="indefinite" restart="never" nodeType="tmRoot"/>
+      </p:par>
+    </p:tnLst>
+  </p:timing>
 </p:sld>
 </file>
 
@@ -4650,6 +4806,30 @@
           </a:p>
         </p:txBody>
       </p:sp>
+      <p:pic>
+        <p:nvPicPr>
+          <p:cNvPr id="4" name="Picture 3"/>
+          <p:cNvPicPr>
+            <a:picLocks noChangeAspect="1"/>
+          </p:cNvPicPr>
+          <p:nvPr/>
+        </p:nvPicPr>
+        <p:blipFill>
+          <a:blip r:embed="rId2"/>
+          <a:stretch>
+            <a:fillRect/>
+          </a:stretch>
+        </p:blipFill>
+        <p:spPr>
+          <a:xfrm>
+            <a:off x="3467100" y="2524125"/>
+            <a:ext cx="5676900" cy="4333875"/>
+          </a:xfrm>
+          <a:prstGeom prst="rect">
+            <a:avLst/>
+          </a:prstGeom>
+        </p:spPr>
+      </p:pic>
     </p:spTree>
     <p:extLst>
       <p:ext uri="{BB962C8B-B14F-4D97-AF65-F5344CB8AC3E}">
@@ -4687,6 +4867,115 @@
           <a:chExt cx="0" cy="0"/>
         </a:xfrm>
       </p:grpSpPr>
+      <p:pic>
+        <p:nvPicPr>
+          <p:cNvPr id="2" name="Picture 1"/>
+          <p:cNvPicPr>
+            <a:picLocks noChangeAspect="1"/>
+          </p:cNvPicPr>
+          <p:nvPr/>
+        </p:nvPicPr>
+        <p:blipFill>
+          <a:blip r:embed="rId2"/>
+          <a:stretch>
+            <a:fillRect/>
+          </a:stretch>
+        </p:blipFill>
+        <p:spPr>
+          <a:xfrm>
+            <a:off x="29615" y="222195"/>
+            <a:ext cx="6410325" cy="542925"/>
+          </a:xfrm>
+          <a:prstGeom prst="rect">
+            <a:avLst/>
+          </a:prstGeom>
+        </p:spPr>
+      </p:pic>
+      <p:pic>
+        <p:nvPicPr>
+          <p:cNvPr id="3" name="Picture 2"/>
+          <p:cNvPicPr>
+            <a:picLocks noChangeAspect="1"/>
+          </p:cNvPicPr>
+          <p:nvPr/>
+        </p:nvPicPr>
+        <p:blipFill>
+          <a:blip r:embed="rId3"/>
+          <a:stretch>
+            <a:fillRect/>
+          </a:stretch>
+        </p:blipFill>
+        <p:spPr>
+          <a:xfrm>
+            <a:off x="4995513" y="4219575"/>
+            <a:ext cx="4124325" cy="2638425"/>
+          </a:xfrm>
+          <a:prstGeom prst="rect">
+            <a:avLst/>
+          </a:prstGeom>
+        </p:spPr>
+      </p:pic>
+      <p:pic>
+        <p:nvPicPr>
+          <p:cNvPr id="4" name="Picture 3"/>
+          <p:cNvPicPr>
+            <a:picLocks noChangeAspect="1"/>
+          </p:cNvPicPr>
+          <p:nvPr/>
+        </p:nvPicPr>
+        <p:blipFill>
+          <a:blip r:embed="rId4"/>
+          <a:stretch>
+            <a:fillRect/>
+          </a:stretch>
+        </p:blipFill>
+        <p:spPr>
+          <a:xfrm>
+            <a:off x="29615" y="985720"/>
+            <a:ext cx="5314950" cy="4200525"/>
+          </a:xfrm>
+          <a:prstGeom prst="rect">
+            <a:avLst/>
+          </a:prstGeom>
+        </p:spPr>
+      </p:pic>
+    </p:spTree>
+    <p:extLst>
+      <p:ext uri="{BB962C8B-B14F-4D97-AF65-F5344CB8AC3E}">
+        <p14:creationId xmlns:p14="http://schemas.microsoft.com/office/powerpoint/2010/main" val="1213118017"/>
+      </p:ext>
+    </p:extLst>
+  </p:cSld>
+  <p:clrMapOvr>
+    <a:masterClrMapping/>
+  </p:clrMapOvr>
+  <p:timing>
+    <p:tnLst>
+      <p:par>
+        <p:cTn id="1" dur="indefinite" restart="never" nodeType="tmRoot"/>
+      </p:par>
+    </p:tnLst>
+  </p:timing>
+</p:sld>
+</file>
+
+<file path=ppt/slides/slide8.xml><?xml version="1.0" encoding="utf-8"?>
+<p:sld xmlns:a="http://schemas.openxmlformats.org/drawingml/2006/main" xmlns:r="http://schemas.openxmlformats.org/officeDocument/2006/relationships" xmlns:p="http://schemas.openxmlformats.org/presentationml/2006/main">
+  <p:cSld>
+    <p:spTree>
+      <p:nvGrpSpPr>
+        <p:cNvPr id="1" name=""/>
+        <p:cNvGrpSpPr/>
+        <p:nvPr/>
+      </p:nvGrpSpPr>
+      <p:grpSpPr>
+        <a:xfrm>
+          <a:off x="0" y="0"/>
+          <a:ext cx="0" cy="0"/>
+          <a:chOff x="0" y="0"/>
+          <a:chExt cx="0" cy="0"/>
+        </a:xfrm>
+      </p:grpSpPr>
       <p:sp>
         <p:nvSpPr>
           <p:cNvPr id="2" name="Title 1"/>
@@ -4824,93 +5113,6 @@
 </p:sld>
 </file>
 
-<file path=ppt/slides/slide8.xml><?xml version="1.0" encoding="utf-8"?>
-<p:sld xmlns:a="http://schemas.openxmlformats.org/drawingml/2006/main" xmlns:r="http://schemas.openxmlformats.org/officeDocument/2006/relationships" xmlns:p="http://schemas.openxmlformats.org/presentationml/2006/main">
-  <p:cSld>
-    <p:spTree>
-      <p:nvGrpSpPr>
-        <p:cNvPr id="1" name=""/>
-        <p:cNvGrpSpPr/>
-        <p:nvPr/>
-      </p:nvGrpSpPr>
-      <p:grpSpPr>
-        <a:xfrm>
-          <a:off x="0" y="0"/>
-          <a:ext cx="0" cy="0"/>
-          <a:chOff x="0" y="0"/>
-          <a:chExt cx="0" cy="0"/>
-        </a:xfrm>
-      </p:grpSpPr>
-      <p:sp>
-        <p:nvSpPr>
-          <p:cNvPr id="2" name="Title 1"/>
-          <p:cNvSpPr>
-            <a:spLocks noGrp="1"/>
-          </p:cNvSpPr>
-          <p:nvPr>
-            <p:ph type="title"/>
-          </p:nvPr>
-        </p:nvSpPr>
-        <p:spPr/>
-        <p:txBody>
-          <a:bodyPr/>
-          <a:lstStyle/>
-          <a:p>
-            <a:r>
-              <a:rPr lang="en-US" dirty="0" smtClean="0"/>
-              <a:t>Code</a:t>
-            </a:r>
-            <a:endParaRPr lang="en-US" dirty="0"/>
-          </a:p>
-        </p:txBody>
-      </p:sp>
-      <p:sp>
-        <p:nvSpPr>
-          <p:cNvPr id="3" name="Content Placeholder 2"/>
-          <p:cNvSpPr>
-            <a:spLocks noGrp="1"/>
-          </p:cNvSpPr>
-          <p:nvPr>
-            <p:ph idx="1"/>
-          </p:nvPr>
-        </p:nvSpPr>
-        <p:spPr/>
-        <p:txBody>
-          <a:bodyPr/>
-          <a:lstStyle/>
-          <a:p>
-            <a:r>
-              <a:rPr lang="en-US" dirty="0"/>
-              <a:t>Updated presentation layer </a:t>
-            </a:r>
-            <a:r>
-              <a:rPr lang="en-US" dirty="0" smtClean="0"/>
-              <a:t>layout</a:t>
-            </a:r>
-            <a:endParaRPr lang="en-US" dirty="0"/>
-          </a:p>
-        </p:txBody>
-      </p:sp>
-    </p:spTree>
-    <p:extLst>
-      <p:ext uri="{BB962C8B-B14F-4D97-AF65-F5344CB8AC3E}">
-        <p14:creationId xmlns:p14="http://schemas.microsoft.com/office/powerpoint/2010/main" val="673764038"/>
-      </p:ext>
-    </p:extLst>
-  </p:cSld>
-  <p:clrMapOvr>
-    <a:masterClrMapping/>
-  </p:clrMapOvr>
-  <p:timing>
-    <p:tnLst>
-      <p:par>
-        <p:cTn id="1" dur="indefinite" restart="never" nodeType="tmRoot"/>
-      </p:par>
-    </p:tnLst>
-  </p:timing>
-</p:sld>
-</file>
-
 <file path=ppt/slides/slide9.xml><?xml version="1.0" encoding="utf-8"?>
 <p:sld xmlns:a="http://schemas.openxmlformats.org/drawingml/2006/main" xmlns:r="http://schemas.openxmlformats.org/officeDocument/2006/relationships" xmlns:p="http://schemas.openxmlformats.org/presentationml/2006/main">
   <p:cSld>
@@ -4938,86 +5140,50 @@
             <p:ph type="title"/>
           </p:nvPr>
         </p:nvSpPr>
-        <p:spPr>
-          <a:xfrm>
-            <a:off x="448965" y="527605"/>
-            <a:ext cx="8229600" cy="1143000"/>
-          </a:xfrm>
-        </p:spPr>
-        <p:txBody>
-          <a:bodyPr/>
-          <a:lstStyle/>
-          <a:p>
-            <a:r>
-              <a:rPr lang="en-US" dirty="0" smtClean="0"/>
-              <a:t>Code – </a:t>
-            </a:r>
-            <a:r>
-              <a:rPr lang="en-US" dirty="0" smtClean="0"/>
-              <a:t>Settings</a:t>
+        <p:spPr/>
+        <p:txBody>
+          <a:bodyPr/>
+          <a:lstStyle/>
+          <a:p>
+            <a:r>
+              <a:rPr lang="en-US" dirty="0" smtClean="0"/>
+              <a:t>Code</a:t>
             </a:r>
             <a:endParaRPr lang="en-US" dirty="0"/>
           </a:p>
         </p:txBody>
       </p:sp>
-      <p:pic>
-        <p:nvPicPr>
-          <p:cNvPr id="1027" name="Picture 3"/>
-          <p:cNvPicPr>
-            <a:picLocks noChangeAspect="1" noChangeArrowheads="1"/>
-          </p:cNvPicPr>
-          <p:nvPr/>
-        </p:nvPicPr>
-        <p:blipFill>
-          <a:blip r:embed="rId2">
-            <a:extLst>
-              <a:ext uri="{28A0092B-C50C-407E-A947-70E740481C1C}">
-                <a14:useLocalDpi xmlns:a14="http://schemas.microsoft.com/office/drawing/2010/main" val="0"/>
-              </a:ext>
-            </a:extLst>
-          </a:blip>
-          <a:srcRect/>
-          <a:stretch>
-            <a:fillRect/>
-          </a:stretch>
-        </p:blipFill>
-        <p:spPr bwMode="auto">
-          <a:xfrm>
-            <a:off x="1212490" y="1326071"/>
-            <a:ext cx="6260905" cy="5039266"/>
-          </a:xfrm>
-          <a:prstGeom prst="rect">
-            <a:avLst/>
-          </a:prstGeom>
-          <a:noFill/>
-          <a:ln>
-            <a:noFill/>
-          </a:ln>
-          <a:extLst>
-            <a:ext uri="{909E8E84-426E-40DD-AFC4-6F175D3DCCD1}">
-              <a14:hiddenFill xmlns:a14="http://schemas.microsoft.com/office/drawing/2010/main">
-                <a:solidFill>
-                  <a:schemeClr val="accent1"/>
-                </a:solidFill>
-              </a14:hiddenFill>
-            </a:ext>
-            <a:ext uri="{91240B29-F687-4F45-9708-019B960494DF}">
-              <a14:hiddenLine xmlns:a14="http://schemas.microsoft.com/office/drawing/2010/main" w="9525">
-                <a:solidFill>
-                  <a:schemeClr val="tx1"/>
-                </a:solidFill>
-                <a:miter lim="800000"/>
-                <a:headEnd/>
-                <a:tailEnd/>
-              </a14:hiddenLine>
-            </a:ext>
-          </a:extLst>
-        </p:spPr>
-      </p:pic>
+      <p:sp>
+        <p:nvSpPr>
+          <p:cNvPr id="3" name="Content Placeholder 2"/>
+          <p:cNvSpPr>
+            <a:spLocks noGrp="1"/>
+          </p:cNvSpPr>
+          <p:nvPr>
+            <p:ph idx="1"/>
+          </p:nvPr>
+        </p:nvSpPr>
+        <p:spPr/>
+        <p:txBody>
+          <a:bodyPr/>
+          <a:lstStyle/>
+          <a:p>
+            <a:r>
+              <a:rPr lang="en-US" dirty="0"/>
+              <a:t>Updated presentation layer </a:t>
+            </a:r>
+            <a:r>
+              <a:rPr lang="en-US" dirty="0" smtClean="0"/>
+              <a:t>layout</a:t>
+            </a:r>
+            <a:endParaRPr lang="en-US" dirty="0"/>
+          </a:p>
+        </p:txBody>
+      </p:sp>
     </p:spTree>
     <p:extLst>
       <p:ext uri="{BB962C8B-B14F-4D97-AF65-F5344CB8AC3E}">
-        <p14:creationId xmlns:p14="http://schemas.microsoft.com/office/powerpoint/2010/main" val="924305994"/>
+        <p14:creationId xmlns:p14="http://schemas.microsoft.com/office/powerpoint/2010/main" val="673764038"/>
       </p:ext>
     </p:extLst>
   </p:cSld>
